--- a/15.news-site-exercise.pptx
+++ b/15.news-site-exercise.pptx
@@ -199,7 +199,7 @@
           <a:p>
             <a:fld id="{77FC3B86-2742-46E2-A44D-1FAB0C668CD5}" type="datetimeFigureOut">
               <a:rPr lang="en-US" smtClean="0"/>
-              <a:t>1/19/2015</a:t>
+              <a:t>20-Jan-15</a:t>
             </a:fld>
             <a:endParaRPr lang="en-US"/>
           </a:p>
@@ -638,7 +638,7 @@
           <a:p>
             <a:fld id="{8E57C33F-FC88-4120-B878-9148FF06A660}" type="datetimeFigureOut">
               <a:rPr lang="en-US" smtClean="0"/>
-              <a:t>1/19/2015</a:t>
+              <a:t>20-Jan-15</a:t>
             </a:fld>
             <a:endParaRPr lang="en-US"/>
           </a:p>
@@ -950,7 +950,7 @@
           <a:p>
             <a:fld id="{8E57C33F-FC88-4120-B878-9148FF06A660}" type="datetimeFigureOut">
               <a:rPr lang="en-US" smtClean="0"/>
-              <a:t>1/19/2015</a:t>
+              <a:t>20-Jan-15</a:t>
             </a:fld>
             <a:endParaRPr lang="en-US"/>
           </a:p>
@@ -1172,7 +1172,7 @@
           <a:p>
             <a:fld id="{8E57C33F-FC88-4120-B878-9148FF06A660}" type="datetimeFigureOut">
               <a:rPr lang="en-US" smtClean="0"/>
-              <a:t>1/19/2015</a:t>
+              <a:t>20-Jan-15</a:t>
             </a:fld>
             <a:endParaRPr lang="en-US"/>
           </a:p>
@@ -1463,7 +1463,7 @@
           <a:p>
             <a:fld id="{8E57C33F-FC88-4120-B878-9148FF06A660}" type="datetimeFigureOut">
               <a:rPr lang="en-US" smtClean="0"/>
-              <a:t>1/19/2015</a:t>
+              <a:t>20-Jan-15</a:t>
             </a:fld>
             <a:endParaRPr lang="en-US"/>
           </a:p>
@@ -1917,7 +1917,7 @@
           <a:p>
             <a:fld id="{8E57C33F-FC88-4120-B878-9148FF06A660}" type="datetimeFigureOut">
               <a:rPr lang="en-US" smtClean="0"/>
-              <a:t>1/19/2015</a:t>
+              <a:t>20-Jan-15</a:t>
             </a:fld>
             <a:endParaRPr lang="en-US"/>
           </a:p>
@@ -2493,7 +2493,7 @@
           <a:p>
             <a:fld id="{8E57C33F-FC88-4120-B878-9148FF06A660}" type="datetimeFigureOut">
               <a:rPr lang="en-US" smtClean="0"/>
-              <a:t>1/19/2015</a:t>
+              <a:t>20-Jan-15</a:t>
             </a:fld>
             <a:endParaRPr lang="en-US"/>
           </a:p>
@@ -3345,7 +3345,7 @@
           <a:p>
             <a:fld id="{8E57C33F-FC88-4120-B878-9148FF06A660}" type="datetimeFigureOut">
               <a:rPr lang="en-US" smtClean="0"/>
-              <a:t>1/19/2015</a:t>
+              <a:t>20-Jan-15</a:t>
             </a:fld>
             <a:endParaRPr lang="en-US"/>
           </a:p>
@@ -3550,7 +3550,7 @@
           <a:p>
             <a:fld id="{8E57C33F-FC88-4120-B878-9148FF06A660}" type="datetimeFigureOut">
               <a:rPr lang="en-US" smtClean="0"/>
-              <a:t>1/19/2015</a:t>
+              <a:t>20-Jan-15</a:t>
             </a:fld>
             <a:endParaRPr lang="en-US"/>
           </a:p>
@@ -3764,7 +3764,7 @@
           <a:p>
             <a:fld id="{8E57C33F-FC88-4120-B878-9148FF06A660}" type="datetimeFigureOut">
               <a:rPr lang="en-US" smtClean="0"/>
-              <a:t>1/19/2015</a:t>
+              <a:t>20-Jan-15</a:t>
             </a:fld>
             <a:endParaRPr lang="en-US"/>
           </a:p>
@@ -3969,7 +3969,7 @@
           <a:p>
             <a:fld id="{8E57C33F-FC88-4120-B878-9148FF06A660}" type="datetimeFigureOut">
               <a:rPr lang="en-US" smtClean="0"/>
-              <a:t>1/19/2015</a:t>
+              <a:t>20-Jan-15</a:t>
             </a:fld>
             <a:endParaRPr lang="en-US"/>
           </a:p>
@@ -4249,7 +4249,7 @@
           <a:p>
             <a:fld id="{8E57C33F-FC88-4120-B878-9148FF06A660}" type="datetimeFigureOut">
               <a:rPr lang="en-US" smtClean="0"/>
-              <a:t>1/19/2015</a:t>
+              <a:t>20-Jan-15</a:t>
             </a:fld>
             <a:endParaRPr lang="en-US"/>
           </a:p>
@@ -4516,7 +4516,7 @@
           <a:p>
             <a:fld id="{8E57C33F-FC88-4120-B878-9148FF06A660}" type="datetimeFigureOut">
               <a:rPr lang="en-US" smtClean="0"/>
-              <a:t>1/19/2015</a:t>
+              <a:t>20-Jan-15</a:t>
             </a:fld>
             <a:endParaRPr lang="en-US"/>
           </a:p>
@@ -4931,7 +4931,7 @@
           <a:p>
             <a:fld id="{8E57C33F-FC88-4120-B878-9148FF06A660}" type="datetimeFigureOut">
               <a:rPr lang="en-US" smtClean="0"/>
-              <a:t>1/19/2015</a:t>
+              <a:t>20-Jan-15</a:t>
             </a:fld>
             <a:endParaRPr lang="en-US"/>
           </a:p>
@@ -5079,7 +5079,7 @@
           <a:p>
             <a:fld id="{8E57C33F-FC88-4120-B878-9148FF06A660}" type="datetimeFigureOut">
               <a:rPr lang="en-US" smtClean="0"/>
-              <a:t>1/19/2015</a:t>
+              <a:t>20-Jan-15</a:t>
             </a:fld>
             <a:endParaRPr lang="en-US"/>
           </a:p>
@@ -5204,7 +5204,7 @@
           <a:p>
             <a:fld id="{8E57C33F-FC88-4120-B878-9148FF06A660}" type="datetimeFigureOut">
               <a:rPr lang="en-US" smtClean="0"/>
-              <a:t>1/19/2015</a:t>
+              <a:t>20-Jan-15</a:t>
             </a:fld>
             <a:endParaRPr lang="en-US"/>
           </a:p>
@@ -5483,7 +5483,7 @@
           <a:p>
             <a:fld id="{8E57C33F-FC88-4120-B878-9148FF06A660}" type="datetimeFigureOut">
               <a:rPr lang="en-US" smtClean="0"/>
-              <a:t>1/19/2015</a:t>
+              <a:t>20-Jan-15</a:t>
             </a:fld>
             <a:endParaRPr lang="en-US"/>
           </a:p>
@@ -5795,7 +5795,7 @@
           <a:p>
             <a:fld id="{8E57C33F-FC88-4120-B878-9148FF06A660}" type="datetimeFigureOut">
               <a:rPr lang="en-US" smtClean="0"/>
-              <a:t>1/19/2015</a:t>
+              <a:t>20-Jan-15</a:t>
             </a:fld>
             <a:endParaRPr lang="en-US"/>
           </a:p>
@@ -6048,7 +6048,7 @@
           <a:p>
             <a:fld id="{8E57C33F-FC88-4120-B878-9148FF06A660}" type="datetimeFigureOut">
               <a:rPr lang="en-US" smtClean="0"/>
-              <a:t>1/19/2015</a:t>
+              <a:t>20-Jan-15</a:t>
             </a:fld>
             <a:endParaRPr lang="en-US"/>
           </a:p>
